--- a/slides_phase2_team_oatmeal.pptx
+++ b/slides_phase2_team_oatmeal.pptx
@@ -121,6 +121,11 @@
       </a:defRPr>
     </a:lvl9pPr>
   </p:defaultTextStyle>
+  <p:extLst>
+    <p:ext uri="{EFAFB233-063F-42B5-8137-9DF3F51BA10A}">
+      <p15:sldGuideLst xmlns:p15="http://schemas.microsoft.com/office/powerpoint/2012/main"/>
+    </p:ext>
+  </p:extLst>
 </p:presentation>
 </file>
 
@@ -3630,6 +3635,9 @@
             <a:endParaRPr lang="de-AT" dirty="0"/>
           </a:p>
           <a:p>
+            <a:endParaRPr lang="de-AT" dirty="0"/>
+          </a:p>
+          <a:p>
             <a:r>
               <a:rPr lang="de-AT" dirty="0"/>
               <a:t>Dataset </a:t>
@@ -3657,6 +3665,9 @@
             <a:endParaRPr lang="de-AT" dirty="0"/>
           </a:p>
           <a:p>
+            <a:endParaRPr lang="de-AT" dirty="0"/>
+          </a:p>
+          <a:p>
             <a:r>
               <a:rPr lang="de-AT" dirty="0"/>
               <a:t>Split 80/20 </a:t>
@@ -3695,36 +3706,11 @@
             </a:r>
             <a:r>
               <a:rPr lang="de-AT" dirty="0" err="1"/>
-              <a:t>set</a:t>
-            </a:r>
-            <a:endParaRPr lang="de-AT" dirty="0"/>
-          </a:p>
-          <a:p>
-            <a:r>
-              <a:rPr lang="de-AT" dirty="0"/>
-              <a:t>Hyperparameter </a:t>
-            </a:r>
-            <a:r>
-              <a:rPr lang="de-AT" dirty="0" err="1"/>
-              <a:t>gridsearch</a:t>
-            </a:r>
-            <a:r>
-              <a:rPr lang="de-AT" dirty="0"/>
-              <a:t> </a:t>
-            </a:r>
-            <a:r>
-              <a:rPr lang="de-AT" dirty="0" err="1"/>
-              <a:t>with</a:t>
-            </a:r>
-            <a:r>
-              <a:rPr lang="de-AT" dirty="0"/>
-              <a:t> 10-fold CV</a:t>
-            </a:r>
-          </a:p>
-          <a:p>
-            <a:r>
-              <a:rPr lang="de-AT" dirty="0"/>
-              <a:t>Permutation feature </a:t>
+              <a:t>setPermutation</a:t>
+            </a:r>
+            <a:r>
+              <a:rPr lang="de-AT" dirty="0"/>
+              <a:t> feature </a:t>
             </a:r>
             <a:r>
               <a:rPr lang="de-AT" dirty="0" err="1"/>
@@ -3875,8 +3861,21 @@
             </a:r>
             <a:r>
               <a:rPr lang="de-AT" dirty="0"/>
-              <a:t> 74%</a:t>
-            </a:r>
+              <a:t> 73% on </a:t>
+            </a:r>
+            <a:r>
+              <a:rPr lang="de-AT" dirty="0" err="1"/>
+              <a:t>test</a:t>
+            </a:r>
+            <a:r>
+              <a:rPr lang="de-AT" dirty="0"/>
+              <a:t> </a:t>
+            </a:r>
+            <a:r>
+              <a:rPr lang="de-AT" dirty="0" err="1"/>
+              <a:t>set</a:t>
+            </a:r>
+            <a:endParaRPr lang="de-AT" dirty="0"/>
           </a:p>
           <a:p>
             <a:pPr lvl="1"/>
@@ -3918,7 +3917,7 @@
             </a:r>
             <a:r>
               <a:rPr lang="de-AT" dirty="0"/>
-              <a:t> (80%)</a:t>
+              <a:t> (85%)</a:t>
             </a:r>
           </a:p>
         </p:txBody>
@@ -5438,6 +5437,9 @@
             </a:r>
           </a:p>
           <a:p>
+            <a:endParaRPr lang="de-AT" dirty="0"/>
+          </a:p>
+          <a:p>
             <a:r>
               <a:rPr lang="de-AT" dirty="0"/>
               <a:t>Dataset </a:t>
@@ -5465,6 +5467,9 @@
             <a:endParaRPr lang="de-AT" dirty="0"/>
           </a:p>
           <a:p>
+            <a:endParaRPr lang="de-AT" dirty="0"/>
+          </a:p>
+          <a:p>
             <a:r>
               <a:rPr lang="de-AT" dirty="0"/>
               <a:t>Split 80/20 </a:t>
@@ -5503,36 +5508,11 @@
             </a:r>
             <a:r>
               <a:rPr lang="de-AT" dirty="0" err="1"/>
-              <a:t>set</a:t>
-            </a:r>
-            <a:endParaRPr lang="de-AT" dirty="0"/>
-          </a:p>
-          <a:p>
-            <a:r>
-              <a:rPr lang="de-AT" dirty="0"/>
-              <a:t>Hyperparameter </a:t>
-            </a:r>
-            <a:r>
-              <a:rPr lang="de-AT" dirty="0" err="1"/>
-              <a:t>gridsearch</a:t>
-            </a:r>
-            <a:r>
-              <a:rPr lang="de-AT" dirty="0"/>
-              <a:t> </a:t>
-            </a:r>
-            <a:r>
-              <a:rPr lang="de-AT" dirty="0" err="1"/>
-              <a:t>with</a:t>
-            </a:r>
-            <a:r>
-              <a:rPr lang="de-AT" dirty="0"/>
-              <a:t> 10-fold CV</a:t>
-            </a:r>
-          </a:p>
-          <a:p>
-            <a:r>
-              <a:rPr lang="de-AT" dirty="0"/>
-              <a:t>Permutation feature </a:t>
+              <a:t>setPermutation</a:t>
+            </a:r>
+            <a:r>
+              <a:rPr lang="de-AT" dirty="0"/>
+              <a:t> feature </a:t>
             </a:r>
             <a:r>
               <a:rPr lang="de-AT" dirty="0" err="1"/>
@@ -5684,8 +5664,21 @@
             </a:r>
             <a:r>
               <a:rPr lang="de-AT" dirty="0"/>
-              <a:t>: 76%</a:t>
-            </a:r>
+              <a:t>: 80% on </a:t>
+            </a:r>
+            <a:r>
+              <a:rPr lang="de-AT" dirty="0" err="1"/>
+              <a:t>test</a:t>
+            </a:r>
+            <a:r>
+              <a:rPr lang="de-AT" dirty="0"/>
+              <a:t> </a:t>
+            </a:r>
+            <a:r>
+              <a:rPr lang="de-AT" dirty="0" err="1"/>
+              <a:t>set</a:t>
+            </a:r>
+            <a:endParaRPr lang="de-AT" dirty="0"/>
           </a:p>
           <a:p>
             <a:r>
@@ -10120,7 +10113,9 @@
         </p:nvSpPr>
         <p:spPr/>
         <p:txBody>
-          <a:bodyPr/>
+          <a:bodyPr>
+            <a:normAutofit fontScale="77500" lnSpcReduction="20000"/>
+          </a:bodyPr>
           <a:lstStyle/>
           <a:p>
             <a:r>
@@ -10172,6 +10167,403 @@
             <a:r>
               <a:rPr lang="de-AT" dirty="0" err="1"/>
               <a:t>id</a:t>
+            </a:r>
+            <a:br>
+              <a:rPr lang="de-AT" dirty="0"/>
+            </a:br>
+            <a:r>
+              <a:rPr lang="de-AT" dirty="0"/>
+              <a:t>This was </a:t>
+            </a:r>
+            <a:r>
+              <a:rPr lang="de-AT" dirty="0" err="1"/>
+              <a:t>done</a:t>
+            </a:r>
+            <a:r>
+              <a:rPr lang="de-AT" dirty="0"/>
+              <a:t>, </a:t>
+            </a:r>
+            <a:r>
+              <a:rPr lang="de-AT" dirty="0" err="1"/>
+              <a:t>because</a:t>
+            </a:r>
+            <a:r>
+              <a:rPr lang="de-AT" dirty="0"/>
+              <a:t> </a:t>
+            </a:r>
+            <a:r>
+              <a:rPr lang="de-AT" dirty="0" err="1"/>
+              <a:t>they</a:t>
+            </a:r>
+            <a:r>
+              <a:rPr lang="de-AT" dirty="0"/>
+              <a:t> will not </a:t>
+            </a:r>
+            <a:r>
+              <a:rPr lang="de-AT" dirty="0" err="1"/>
+              <a:t>be</a:t>
+            </a:r>
+            <a:r>
+              <a:rPr lang="de-AT" dirty="0"/>
+              <a:t> </a:t>
+            </a:r>
+            <a:r>
+              <a:rPr lang="de-AT" dirty="0" err="1"/>
+              <a:t>provided</a:t>
+            </a:r>
+            <a:r>
+              <a:rPr lang="de-AT" dirty="0"/>
+              <a:t> in </a:t>
+            </a:r>
+            <a:r>
+              <a:rPr lang="de-AT" dirty="0" err="1"/>
+              <a:t>the</a:t>
+            </a:r>
+            <a:r>
+              <a:rPr lang="de-AT" dirty="0"/>
+              <a:t> </a:t>
+            </a:r>
+            <a:r>
+              <a:rPr lang="de-AT" dirty="0" err="1"/>
+              <a:t>later</a:t>
+            </a:r>
+            <a:r>
+              <a:rPr lang="de-AT" dirty="0"/>
+              <a:t> </a:t>
+            </a:r>
+            <a:r>
+              <a:rPr lang="de-AT" dirty="0" err="1"/>
+              <a:t>tasks</a:t>
+            </a:r>
+            <a:br>
+              <a:rPr lang="de-AT" dirty="0"/>
+            </a:br>
+            <a:endParaRPr lang="de-AT" dirty="0"/>
+          </a:p>
+          <a:p>
+            <a:r>
+              <a:rPr lang="de-AT" dirty="0" err="1"/>
+              <a:t>Preprocessing</a:t>
+            </a:r>
+            <a:r>
+              <a:rPr lang="de-AT" dirty="0"/>
+              <a:t> / </a:t>
+            </a:r>
+            <a:r>
+              <a:rPr lang="de-AT" dirty="0" err="1"/>
+              <a:t>Normalization</a:t>
+            </a:r>
+            <a:r>
+              <a:rPr lang="de-AT" dirty="0"/>
+              <a:t> was </a:t>
+            </a:r>
+            <a:r>
+              <a:rPr lang="de-AT" dirty="0" err="1"/>
+              <a:t>done</a:t>
+            </a:r>
+            <a:endParaRPr lang="de-AT" dirty="0"/>
+          </a:p>
+          <a:p>
+            <a:pPr lvl="1"/>
+            <a:r>
+              <a:rPr lang="de-AT" dirty="0" err="1"/>
+              <a:t>To</a:t>
+            </a:r>
+            <a:r>
+              <a:rPr lang="de-AT" dirty="0"/>
+              <a:t> </a:t>
+            </a:r>
+            <a:r>
+              <a:rPr lang="de-AT" dirty="0" err="1"/>
+              <a:t>have</a:t>
+            </a:r>
+            <a:r>
+              <a:rPr lang="de-AT" dirty="0"/>
+              <a:t> </a:t>
+            </a:r>
+            <a:r>
+              <a:rPr lang="de-AT" dirty="0" err="1"/>
+              <a:t>better</a:t>
+            </a:r>
+            <a:r>
+              <a:rPr lang="de-AT" dirty="0"/>
+              <a:t> </a:t>
+            </a:r>
+            <a:r>
+              <a:rPr lang="de-AT" dirty="0" err="1"/>
+              <a:t>results</a:t>
+            </a:r>
+            <a:r>
+              <a:rPr lang="de-AT" dirty="0"/>
+              <a:t> </a:t>
+            </a:r>
+            <a:r>
+              <a:rPr lang="de-AT" dirty="0" err="1"/>
+              <a:t>with</a:t>
+            </a:r>
+            <a:r>
+              <a:rPr lang="de-AT" dirty="0"/>
+              <a:t> </a:t>
+            </a:r>
+            <a:r>
+              <a:rPr lang="de-AT" dirty="0" err="1"/>
+              <a:t>distance</a:t>
+            </a:r>
+            <a:r>
+              <a:rPr lang="de-AT" dirty="0"/>
+              <a:t> </a:t>
+            </a:r>
+            <a:r>
+              <a:rPr lang="de-AT" dirty="0" err="1"/>
+              <a:t>based</a:t>
+            </a:r>
+            <a:r>
+              <a:rPr lang="de-AT" dirty="0"/>
+              <a:t> </a:t>
+            </a:r>
+            <a:r>
+              <a:rPr lang="de-AT" dirty="0" err="1"/>
+              <a:t>classifiers</a:t>
+            </a:r>
+            <a:r>
+              <a:rPr lang="de-AT" dirty="0"/>
+              <a:t> (</a:t>
+            </a:r>
+            <a:r>
+              <a:rPr lang="de-AT" dirty="0" err="1"/>
+              <a:t>kNN</a:t>
+            </a:r>
+            <a:r>
+              <a:rPr lang="de-AT" dirty="0"/>
+              <a:t>, SVC)</a:t>
+            </a:r>
+          </a:p>
+          <a:p>
+            <a:pPr lvl="1"/>
+            <a:r>
+              <a:rPr lang="de-AT" dirty="0" err="1"/>
+              <a:t>To</a:t>
+            </a:r>
+            <a:r>
+              <a:rPr lang="de-AT" dirty="0"/>
+              <a:t> </a:t>
+            </a:r>
+            <a:r>
+              <a:rPr lang="de-AT" dirty="0" err="1"/>
+              <a:t>have</a:t>
+            </a:r>
+            <a:r>
+              <a:rPr lang="de-AT" dirty="0"/>
+              <a:t> </a:t>
+            </a:r>
+            <a:r>
+              <a:rPr lang="de-AT" dirty="0" err="1"/>
+              <a:t>better</a:t>
+            </a:r>
+            <a:r>
+              <a:rPr lang="de-AT" dirty="0"/>
+              <a:t> </a:t>
+            </a:r>
+            <a:r>
+              <a:rPr lang="de-AT" dirty="0" err="1"/>
+              <a:t>gradient</a:t>
+            </a:r>
+            <a:r>
+              <a:rPr lang="de-AT" dirty="0"/>
+              <a:t> </a:t>
+            </a:r>
+            <a:r>
+              <a:rPr lang="de-AT" dirty="0" err="1"/>
+              <a:t>descent</a:t>
+            </a:r>
+            <a:r>
+              <a:rPr lang="de-AT" dirty="0"/>
+              <a:t> </a:t>
+            </a:r>
+            <a:r>
+              <a:rPr lang="de-AT" dirty="0" err="1"/>
+              <a:t>with</a:t>
+            </a:r>
+            <a:r>
+              <a:rPr lang="de-AT" dirty="0"/>
+              <a:t> </a:t>
+            </a:r>
+            <a:r>
+              <a:rPr lang="de-AT" dirty="0" err="1"/>
+              <a:t>the</a:t>
+            </a:r>
+            <a:r>
+              <a:rPr lang="de-AT" dirty="0"/>
+              <a:t> NN</a:t>
+            </a:r>
+          </a:p>
+          <a:p>
+            <a:pPr lvl="1"/>
+            <a:endParaRPr lang="de-AT" dirty="0"/>
+          </a:p>
+          <a:p>
+            <a:r>
+              <a:rPr lang="de-AT" dirty="0" err="1"/>
+              <a:t>We</a:t>
+            </a:r>
+            <a:r>
+              <a:rPr lang="de-AT" dirty="0"/>
+              <a:t> </a:t>
+            </a:r>
+            <a:r>
+              <a:rPr lang="de-AT" dirty="0" err="1"/>
+              <a:t>used</a:t>
+            </a:r>
+            <a:r>
+              <a:rPr lang="de-AT" dirty="0"/>
+              <a:t> 10-fold Cross Validation </a:t>
+            </a:r>
+            <a:r>
+              <a:rPr lang="de-AT" dirty="0" err="1"/>
+              <a:t>for</a:t>
+            </a:r>
+            <a:r>
+              <a:rPr lang="de-AT" dirty="0"/>
+              <a:t> </a:t>
+            </a:r>
+            <a:r>
+              <a:rPr lang="de-AT" dirty="0" err="1"/>
+              <a:t>each</a:t>
+            </a:r>
+            <a:r>
+              <a:rPr lang="de-AT" dirty="0"/>
+              <a:t> </a:t>
+            </a:r>
+            <a:r>
+              <a:rPr lang="de-AT" dirty="0" err="1"/>
+              <a:t>classifier</a:t>
+            </a:r>
+            <a:endParaRPr lang="de-AT" dirty="0"/>
+          </a:p>
+          <a:p>
+            <a:pPr lvl="1"/>
+            <a:r>
+              <a:rPr lang="de-AT" dirty="0"/>
+              <a:t>10 was a </a:t>
+            </a:r>
+            <a:r>
+              <a:rPr lang="de-AT" dirty="0" err="1"/>
+              <a:t>good</a:t>
+            </a:r>
+            <a:r>
+              <a:rPr lang="de-AT" dirty="0"/>
+              <a:t> </a:t>
+            </a:r>
+            <a:r>
+              <a:rPr lang="de-AT" dirty="0" err="1"/>
+              <a:t>balance</a:t>
+            </a:r>
+            <a:r>
+              <a:rPr lang="de-AT" dirty="0"/>
+              <a:t> </a:t>
+            </a:r>
+            <a:r>
+              <a:rPr lang="de-AT" dirty="0" err="1"/>
+              <a:t>between</a:t>
+            </a:r>
+            <a:r>
+              <a:rPr lang="de-AT" dirty="0"/>
+              <a:t> </a:t>
+            </a:r>
+            <a:r>
+              <a:rPr lang="de-AT" dirty="0" err="1"/>
+              <a:t>training</a:t>
+            </a:r>
+            <a:r>
+              <a:rPr lang="de-AT" dirty="0"/>
+              <a:t> time and </a:t>
+            </a:r>
+            <a:r>
+              <a:rPr lang="de-AT" dirty="0" err="1"/>
+              <a:t>results</a:t>
+            </a:r>
+            <a:endParaRPr lang="de-AT" dirty="0"/>
+          </a:p>
+          <a:p>
+            <a:pPr lvl="1"/>
+            <a:endParaRPr lang="de-AT" dirty="0"/>
+          </a:p>
+          <a:p>
+            <a:r>
+              <a:rPr lang="de-AT" dirty="0" err="1"/>
+              <a:t>We</a:t>
+            </a:r>
+            <a:r>
+              <a:rPr lang="de-AT" dirty="0"/>
+              <a:t> </a:t>
+            </a:r>
+            <a:r>
+              <a:rPr lang="de-AT" dirty="0" err="1"/>
+              <a:t>had</a:t>
+            </a:r>
+            <a:r>
+              <a:rPr lang="de-AT" dirty="0"/>
+              <a:t> </a:t>
+            </a:r>
+            <a:r>
+              <a:rPr lang="de-AT" dirty="0" err="1"/>
+              <a:t>some</a:t>
+            </a:r>
+            <a:r>
+              <a:rPr lang="de-AT" dirty="0"/>
+              <a:t> </a:t>
+            </a:r>
+            <a:r>
+              <a:rPr lang="de-AT" dirty="0" err="1"/>
+              <a:t>overfitting</a:t>
+            </a:r>
+            <a:r>
+              <a:rPr lang="de-AT" dirty="0"/>
+              <a:t> („high“ </a:t>
+            </a:r>
+            <a:r>
+              <a:rPr lang="de-AT" dirty="0" err="1"/>
+              <a:t>hyperparameters</a:t>
+            </a:r>
+            <a:r>
+              <a:rPr lang="de-AT" dirty="0"/>
+              <a:t>), </a:t>
+            </a:r>
+            <a:r>
+              <a:rPr lang="de-AT" dirty="0" err="1"/>
+              <a:t>which</a:t>
+            </a:r>
+            <a:r>
+              <a:rPr lang="de-AT" dirty="0"/>
+              <a:t> was </a:t>
+            </a:r>
+            <a:r>
+              <a:rPr lang="de-AT" dirty="0" err="1"/>
+              <a:t>avoided</a:t>
+            </a:r>
+            <a:r>
+              <a:rPr lang="de-AT" dirty="0"/>
+              <a:t> </a:t>
+            </a:r>
+            <a:r>
+              <a:rPr lang="de-AT" dirty="0" err="1"/>
+              <a:t>with</a:t>
+            </a:r>
+            <a:r>
+              <a:rPr lang="de-AT" dirty="0"/>
+              <a:t> 10-fold </a:t>
+            </a:r>
+            <a:r>
+              <a:rPr lang="de-AT" dirty="0" err="1"/>
+              <a:t>cross</a:t>
+            </a:r>
+            <a:r>
+              <a:rPr lang="de-AT" dirty="0"/>
+              <a:t> </a:t>
+            </a:r>
+            <a:r>
+              <a:rPr lang="de-AT" dirty="0" err="1"/>
+              <a:t>validation</a:t>
             </a:r>
             <a:endParaRPr lang="de-AT" dirty="0"/>
           </a:p>
@@ -10346,23 +10738,7 @@
           <a:p>
             <a:r>
               <a:rPr lang="de-AT" dirty="0"/>
-              <a:t>Hyperparameter </a:t>
-            </a:r>
-            <a:r>
-              <a:rPr lang="de-AT" dirty="0" err="1"/>
-              <a:t>gridsearch</a:t>
-            </a:r>
-            <a:r>
-              <a:rPr lang="de-AT" dirty="0"/>
-              <a:t> </a:t>
-            </a:r>
-            <a:r>
-              <a:rPr lang="de-AT" dirty="0" err="1"/>
-              <a:t>with</a:t>
-            </a:r>
-            <a:r>
-              <a:rPr lang="de-AT" dirty="0"/>
-              <a:t> 10-fold CV and f1-score </a:t>
+              <a:t>f1-score </a:t>
             </a:r>
             <a:r>
               <a:rPr lang="de-AT" dirty="0" err="1"/>
@@ -12770,24 +13146,6 @@
               <a:rPr lang="de-AT" dirty="0" err="1"/>
               <a:t>split</a:t>
             </a:r>
-            <a:endParaRPr lang="de-AT" dirty="0"/>
-          </a:p>
-          <a:p>
-            <a:r>
-              <a:rPr lang="en-US" dirty="0"/>
-              <a:t>Hyperparameter </a:t>
-            </a:r>
-            <a:r>
-              <a:rPr lang="en-US" dirty="0" err="1"/>
-              <a:t>gridsearch</a:t>
-            </a:r>
-            <a:r>
-              <a:rPr lang="en-US" dirty="0"/>
-              <a:t> with 10-fold cross validation</a:t>
-            </a:r>
-            <a:endParaRPr lang="de-AT" dirty="0"/>
-          </a:p>
-          <a:p>
             <a:r>
               <a:rPr lang="en-US" dirty="0"/>
               <a:t>Permutation feature importance with accuracy as metric</a:t>
@@ -15021,8 +15379,8 @@
         </p:nvSpPr>
         <p:spPr>
           <a:xfrm>
-            <a:off x="838200" y="1825625"/>
-            <a:ext cx="4940988" cy="4351338"/>
+            <a:off x="838199" y="1825625"/>
+            <a:ext cx="5163895" cy="4351338"/>
           </a:xfrm>
           <a:prstGeom prst="rect">
             <a:avLst/>
@@ -15222,13 +15580,91 @@
             </a:r>
             <a:r>
               <a:rPr lang="de-AT" dirty="0"/>
-              <a:t>: 80% </a:t>
+              <a:t>: 85% </a:t>
             </a:r>
             <a:r>
               <a:rPr lang="de-AT" dirty="0" err="1"/>
               <a:t>accuracy</a:t>
             </a:r>
-            <a:endParaRPr lang="de-AT" dirty="0"/>
+            <a:r>
+              <a:rPr lang="de-AT" dirty="0"/>
+              <a:t> on </a:t>
+            </a:r>
+            <a:r>
+              <a:rPr lang="de-AT" dirty="0" err="1"/>
+              <a:t>test</a:t>
+            </a:r>
+            <a:r>
+              <a:rPr lang="de-AT" dirty="0"/>
+              <a:t> </a:t>
+            </a:r>
+            <a:r>
+              <a:rPr lang="de-AT" dirty="0" err="1"/>
+              <a:t>set</a:t>
+            </a:r>
+            <a:br>
+              <a:rPr lang="de-AT" dirty="0"/>
+            </a:br>
+            <a:r>
+              <a:rPr lang="de-AT" dirty="0"/>
+              <a:t>(</a:t>
+            </a:r>
+            <a:r>
+              <a:rPr lang="de-AT" dirty="0" err="1"/>
+              <a:t>best</a:t>
+            </a:r>
+            <a:r>
+              <a:rPr lang="de-AT" dirty="0"/>
+              <a:t> </a:t>
+            </a:r>
+            <a:r>
+              <a:rPr lang="de-AT" dirty="0" err="1"/>
+              <a:t>model</a:t>
+            </a:r>
+            <a:r>
+              <a:rPr lang="de-AT" dirty="0"/>
+              <a:t> </a:t>
+            </a:r>
+            <a:r>
+              <a:rPr lang="de-AT" dirty="0" err="1"/>
+              <a:t>class</a:t>
+            </a:r>
+            <a:r>
+              <a:rPr lang="de-AT" dirty="0"/>
+              <a:t>, </a:t>
+            </a:r>
+            <a:r>
+              <a:rPr lang="de-AT" dirty="0" err="1"/>
+              <a:t>of</a:t>
+            </a:r>
+            <a:r>
+              <a:rPr lang="de-AT" dirty="0"/>
+              <a:t> </a:t>
+            </a:r>
+            <a:r>
+              <a:rPr lang="de-AT" dirty="0" err="1"/>
+              <a:t>the</a:t>
+            </a:r>
+            <a:r>
+              <a:rPr lang="de-AT" dirty="0"/>
+              <a:t> </a:t>
+            </a:r>
+            <a:r>
+              <a:rPr lang="de-AT" dirty="0" err="1"/>
+              <a:t>four</a:t>
+            </a:r>
+            <a:r>
+              <a:rPr lang="de-AT" dirty="0"/>
+              <a:t> </a:t>
+            </a:r>
+            <a:r>
+              <a:rPr lang="de-AT" dirty="0" err="1"/>
+              <a:t>tested</a:t>
+            </a:r>
+            <a:r>
+              <a:rPr lang="de-AT" dirty="0"/>
+              <a:t>)</a:t>
+            </a:r>
           </a:p>
         </p:txBody>
       </p:sp>
@@ -15260,8 +15696,8 @@
         </p:blipFill>
         <p:spPr>
           <a:xfrm>
-            <a:off x="838200" y="2920999"/>
-            <a:ext cx="3937001" cy="3937001"/>
+            <a:off x="2410326" y="3240338"/>
+            <a:ext cx="3252537" cy="3252537"/>
           </a:xfrm>
           <a:prstGeom prst="rect">
             <a:avLst/>

--- a/slides_phase2_team_oatmeal.pptx
+++ b/slides_phase2_team_oatmeal.pptx
@@ -3706,11 +3706,17 @@
             </a:r>
             <a:r>
               <a:rPr lang="de-AT" dirty="0" err="1"/>
-              <a:t>setPermutation</a:t>
-            </a:r>
-            <a:r>
-              <a:rPr lang="de-AT" dirty="0"/>
-              <a:t> feature </a:t>
+              <a:t>set</a:t>
+            </a:r>
+            <a:endParaRPr lang="de-AT" dirty="0"/>
+          </a:p>
+          <a:p>
+            <a:endParaRPr lang="de-AT" dirty="0"/>
+          </a:p>
+          <a:p>
+            <a:r>
+              <a:rPr lang="de-AT" dirty="0"/>
+              <a:t>Permutation feature </a:t>
             </a:r>
             <a:r>
               <a:rPr lang="de-AT" dirty="0" err="1"/>
@@ -5508,11 +5514,17 @@
             </a:r>
             <a:r>
               <a:rPr lang="de-AT" dirty="0" err="1"/>
-              <a:t>setPermutation</a:t>
-            </a:r>
-            <a:r>
-              <a:rPr lang="de-AT" dirty="0"/>
-              <a:t> feature </a:t>
+              <a:t>set</a:t>
+            </a:r>
+            <a:endParaRPr lang="de-AT" dirty="0"/>
+          </a:p>
+          <a:p>
+            <a:endParaRPr lang="de-AT" dirty="0"/>
+          </a:p>
+          <a:p>
+            <a:r>
+              <a:rPr lang="de-AT" dirty="0"/>
+              <a:t>Permutation feature </a:t>
             </a:r>
             <a:r>
               <a:rPr lang="de-AT" dirty="0" err="1"/>
@@ -10491,7 +10503,7 @@
           <a:p>
             <a:r>
               <a:rPr lang="de-AT" dirty="0" err="1"/>
-              <a:t>We</a:t>
+              <a:t>Our</a:t>
             </a:r>
             <a:r>
               <a:rPr lang="de-AT" dirty="0"/>
@@ -10499,7 +10511,7 @@
             </a:r>
             <a:r>
               <a:rPr lang="de-AT" dirty="0" err="1"/>
-              <a:t>had</a:t>
+              <a:t>grid</a:t>
             </a:r>
             <a:r>
               <a:rPr lang="de-AT" dirty="0"/>
@@ -10507,6 +10519,38 @@
             </a:r>
             <a:r>
               <a:rPr lang="de-AT" dirty="0" err="1"/>
+              <a:t>search</a:t>
+            </a:r>
+            <a:r>
+              <a:rPr lang="de-AT" dirty="0"/>
+              <a:t> </a:t>
+            </a:r>
+            <a:r>
+              <a:rPr lang="de-AT" dirty="0" err="1"/>
+              <a:t>results</a:t>
+            </a:r>
+            <a:r>
+              <a:rPr lang="de-AT" dirty="0"/>
+              <a:t> </a:t>
+            </a:r>
+            <a:r>
+              <a:rPr lang="de-AT" dirty="0" err="1"/>
+              <a:t>show</a:t>
+            </a:r>
+            <a:r>
+              <a:rPr lang="de-AT" dirty="0"/>
+              <a:t> </a:t>
+            </a:r>
+            <a:r>
+              <a:rPr lang="de-AT" dirty="0" err="1"/>
+              <a:t>that</a:t>
+            </a:r>
+            <a:r>
+              <a:rPr lang="de-AT" dirty="0"/>
+              <a:t> </a:t>
+            </a:r>
+            <a:r>
+              <a:rPr lang="de-AT" dirty="0" err="1"/>
               <a:t>some</a:t>
             </a:r>
             <a:r>
@@ -10515,31 +10559,7 @@
             </a:r>
             <a:r>
               <a:rPr lang="de-AT" dirty="0" err="1"/>
-              <a:t>overfitting</a:t>
-            </a:r>
-            <a:r>
-              <a:rPr lang="de-AT" dirty="0"/>
-              <a:t> („high“ </a:t>
-            </a:r>
-            <a:r>
-              <a:rPr lang="de-AT" dirty="0" err="1"/>
-              <a:t>hyperparameters</a:t>
-            </a:r>
-            <a:r>
-              <a:rPr lang="de-AT" dirty="0"/>
-              <a:t>), </a:t>
-            </a:r>
-            <a:r>
-              <a:rPr lang="de-AT" dirty="0" err="1"/>
-              <a:t>which</a:t>
-            </a:r>
-            <a:r>
-              <a:rPr lang="de-AT" dirty="0"/>
-              <a:t> was </a:t>
-            </a:r>
-            <a:r>
-              <a:rPr lang="de-AT" dirty="0" err="1"/>
-              <a:t>avoided</a:t>
+              <a:t>complex</a:t>
             </a:r>
             <a:r>
               <a:rPr lang="de-AT" dirty="0"/>
@@ -10547,15 +10567,7 @@
             </a:r>
             <a:r>
               <a:rPr lang="de-AT" dirty="0" err="1"/>
-              <a:t>with</a:t>
-            </a:r>
-            <a:r>
-              <a:rPr lang="de-AT" dirty="0"/>
-              <a:t> 10-fold </a:t>
-            </a:r>
-            <a:r>
-              <a:rPr lang="de-AT" dirty="0" err="1"/>
-              <a:t>cross</a:t>
+              <a:t>models</a:t>
             </a:r>
             <a:r>
               <a:rPr lang="de-AT" dirty="0"/>
@@ -10563,9 +10575,44 @@
             </a:r>
             <a:r>
               <a:rPr lang="de-AT" dirty="0" err="1"/>
-              <a:t>validation</a:t>
-            </a:r>
-            <a:endParaRPr lang="de-AT" dirty="0"/>
+              <a:t>scored</a:t>
+            </a:r>
+            <a:r>
+              <a:rPr lang="de-AT" dirty="0"/>
+              <a:t> </a:t>
+            </a:r>
+            <a:r>
+              <a:rPr lang="de-AT" dirty="0" err="1"/>
+              <a:t>worse</a:t>
+            </a:r>
+            <a:r>
+              <a:rPr lang="de-AT" dirty="0"/>
+              <a:t> (</a:t>
+            </a:r>
+            <a:r>
+              <a:rPr lang="de-AT" dirty="0" err="1"/>
+              <a:t>they</a:t>
+            </a:r>
+            <a:r>
+              <a:rPr lang="de-AT" dirty="0"/>
+              <a:t> </a:t>
+            </a:r>
+            <a:r>
+              <a:rPr lang="de-AT" dirty="0" err="1"/>
+              <a:t>were</a:t>
+            </a:r>
+            <a:r>
+              <a:rPr lang="de-AT" dirty="0"/>
+              <a:t> </a:t>
+            </a:r>
+            <a:r>
+              <a:rPr lang="de-AT" dirty="0" err="1"/>
+              <a:t>overfitted</a:t>
+            </a:r>
+            <a:r>
+              <a:rPr lang="de-AT" dirty="0"/>
+              <a:t>)</a:t>
+            </a:r>
           </a:p>
           <a:p>
             <a:endParaRPr lang="de-AT" dirty="0"/>
@@ -13146,6 +13193,9 @@
               <a:rPr lang="de-AT" dirty="0" err="1"/>
               <a:t>split</a:t>
             </a:r>
+            <a:endParaRPr lang="de-AT" dirty="0"/>
+          </a:p>
+          <a:p>
             <a:r>
               <a:rPr lang="en-US" dirty="0"/>
               <a:t>Permutation feature importance with accuracy as metric</a:t>
